--- a/slides/web technologies/Day 5 - Introduction to CSS, CSS Grid.pptx
+++ b/slides/web technologies/Day 5 - Introduction to CSS, CSS Grid.pptx
@@ -258,7 +258,7 @@
   </p:defaultTextStyle>
   <p:extLst>
     <p:ext uri="GoogleSlidesCustomDataVersion2">
-      <go:slidesCustomData xmlns:go="http://customooxmlschemas.google.com/" r:id="rId21" roundtripDataSignature="AMtx7minfBKnBGDNytklRgucjq9imFFqTA=="/>
+      <go:slidesCustomData xmlns:go="http://customooxmlschemas.google.com/" r:id="rId21" roundtripDataSignature="AMtx7mjOY9ENRKuV4d8Z13iXEaTvF3pr1Q=="/>
     </p:ext>
   </p:extLst>
 </p:presentation>
@@ -794,7 +794,7 @@
   <p:cSld>
     <p:spTree>
       <p:nvGrpSpPr>
-        <p:cNvPr id="152" name="Shape 152"/>
+        <p:cNvPr id="151" name="Shape 151"/>
         <p:cNvGrpSpPr/>
         <p:nvPr/>
       </p:nvGrpSpPr>
@@ -808,7 +808,7 @@
       </p:grpSpPr>
       <p:sp>
         <p:nvSpPr>
-          <p:cNvPr id="153" name="Google Shape;153;g27757a68b46_0_41:notes"/>
+          <p:cNvPr id="152" name="Google Shape;152;g27757a68b46_0_41:notes"/>
           <p:cNvSpPr txBox="1"/>
           <p:nvPr>
             <p:ph idx="1" type="body"/>
@@ -847,7 +847,7 @@
       </p:sp>
       <p:sp>
         <p:nvSpPr>
-          <p:cNvPr id="154" name="Google Shape;154;g27757a68b46_0_41:notes"/>
+          <p:cNvPr id="153" name="Google Shape;153;g27757a68b46_0_41:notes"/>
           <p:cNvSpPr/>
           <p:nvPr>
             <p:ph idx="2" type="sldImg"/>
@@ -893,7 +893,7 @@
   <p:cSld>
     <p:spTree>
       <p:nvGrpSpPr>
-        <p:cNvPr id="158" name="Shape 158"/>
+        <p:cNvPr id="157" name="Shape 157"/>
         <p:cNvGrpSpPr/>
         <p:nvPr/>
       </p:nvGrpSpPr>
@@ -907,7 +907,7 @@
       </p:grpSpPr>
       <p:sp>
         <p:nvSpPr>
-          <p:cNvPr id="159" name="Google Shape;159;g27757a68b46_0_46:notes"/>
+          <p:cNvPr id="158" name="Google Shape;158;g27757a68b46_0_46:notes"/>
           <p:cNvSpPr txBox="1"/>
           <p:nvPr>
             <p:ph idx="1" type="body"/>
@@ -946,7 +946,7 @@
       </p:sp>
       <p:sp>
         <p:nvSpPr>
-          <p:cNvPr id="160" name="Google Shape;160;g27757a68b46_0_46:notes"/>
+          <p:cNvPr id="159" name="Google Shape;159;g27757a68b46_0_46:notes"/>
           <p:cNvSpPr/>
           <p:nvPr>
             <p:ph idx="2" type="sldImg"/>
@@ -992,7 +992,7 @@
   <p:cSld>
     <p:spTree>
       <p:nvGrpSpPr>
-        <p:cNvPr id="164" name="Shape 164"/>
+        <p:cNvPr id="163" name="Shape 163"/>
         <p:cNvGrpSpPr/>
         <p:nvPr/>
       </p:nvGrpSpPr>
@@ -1006,7 +1006,7 @@
       </p:grpSpPr>
       <p:sp>
         <p:nvSpPr>
-          <p:cNvPr id="165" name="Google Shape;165;g27757a68b46_0_126:notes"/>
+          <p:cNvPr id="164" name="Google Shape;164;g27757a68b46_0_126:notes"/>
           <p:cNvSpPr/>
           <p:nvPr>
             <p:ph idx="2" type="sldImg"/>
@@ -1041,7 +1041,7 @@
       </p:sp>
       <p:sp>
         <p:nvSpPr>
-          <p:cNvPr id="166" name="Google Shape;166;g27757a68b46_0_126:notes"/>
+          <p:cNvPr id="165" name="Google Shape;165;g27757a68b46_0_126:notes"/>
           <p:cNvSpPr txBox="1"/>
           <p:nvPr>
             <p:ph idx="1" type="body"/>
@@ -1091,7 +1091,7 @@
   <p:cSld>
     <p:spTree>
       <p:nvGrpSpPr>
-        <p:cNvPr id="170" name="Shape 170"/>
+        <p:cNvPr id="169" name="Shape 169"/>
         <p:cNvGrpSpPr/>
         <p:nvPr/>
       </p:nvGrpSpPr>
@@ -1105,7 +1105,7 @@
       </p:grpSpPr>
       <p:sp>
         <p:nvSpPr>
-          <p:cNvPr id="171" name="Google Shape;171;p4:notes"/>
+          <p:cNvPr id="170" name="Google Shape;170;p4:notes"/>
           <p:cNvSpPr txBox="1"/>
           <p:nvPr>
             <p:ph idx="1" type="body"/>
@@ -1144,7 +1144,7 @@
       </p:sp>
       <p:sp>
         <p:nvSpPr>
-          <p:cNvPr id="172" name="Google Shape;172;p4:notes"/>
+          <p:cNvPr id="171" name="Google Shape;171;p4:notes"/>
           <p:cNvSpPr/>
           <p:nvPr>
             <p:ph idx="2" type="sldImg"/>
@@ -1190,7 +1190,7 @@
   <p:cSld>
     <p:spTree>
       <p:nvGrpSpPr>
-        <p:cNvPr id="176" name="Shape 176"/>
+        <p:cNvPr id="175" name="Shape 175"/>
         <p:cNvGrpSpPr/>
         <p:nvPr/>
       </p:nvGrpSpPr>
@@ -1204,7 +1204,7 @@
       </p:grpSpPr>
       <p:sp>
         <p:nvSpPr>
-          <p:cNvPr id="177" name="Google Shape;177;g27757a68b46_0_5:notes"/>
+          <p:cNvPr id="176" name="Google Shape;176;g27757a68b46_0_5:notes"/>
           <p:cNvSpPr/>
           <p:nvPr>
             <p:ph idx="2" type="sldImg"/>
@@ -1239,7 +1239,7 @@
       </p:sp>
       <p:sp>
         <p:nvSpPr>
-          <p:cNvPr id="178" name="Google Shape;178;g27757a68b46_0_5:notes"/>
+          <p:cNvPr id="177" name="Google Shape;177;g27757a68b46_0_5:notes"/>
           <p:cNvSpPr txBox="1"/>
           <p:nvPr>
             <p:ph idx="1" type="body"/>
@@ -1289,7 +1289,7 @@
   <p:cSld>
     <p:spTree>
       <p:nvGrpSpPr>
-        <p:cNvPr id="182" name="Shape 182"/>
+        <p:cNvPr id="181" name="Shape 181"/>
         <p:cNvGrpSpPr/>
         <p:nvPr/>
       </p:nvGrpSpPr>
@@ -1303,7 +1303,7 @@
       </p:grpSpPr>
       <p:sp>
         <p:nvSpPr>
-          <p:cNvPr id="183" name="Google Shape;183;g27757a68b46_0_134:notes"/>
+          <p:cNvPr id="182" name="Google Shape;182;g27757a68b46_0_134:notes"/>
           <p:cNvSpPr/>
           <p:nvPr>
             <p:ph idx="2" type="sldImg"/>
@@ -1338,7 +1338,7 @@
       </p:sp>
       <p:sp>
         <p:nvSpPr>
-          <p:cNvPr id="184" name="Google Shape;184;g27757a68b46_0_134:notes"/>
+          <p:cNvPr id="183" name="Google Shape;183;g27757a68b46_0_134:notes"/>
           <p:cNvSpPr txBox="1"/>
           <p:nvPr>
             <p:ph idx="1" type="body"/>
@@ -1388,7 +1388,7 @@
   <p:cSld>
     <p:spTree>
       <p:nvGrpSpPr>
-        <p:cNvPr id="188" name="Shape 188"/>
+        <p:cNvPr id="187" name="Shape 187"/>
         <p:cNvGrpSpPr/>
         <p:nvPr/>
       </p:nvGrpSpPr>
@@ -1402,7 +1402,7 @@
       </p:grpSpPr>
       <p:sp>
         <p:nvSpPr>
-          <p:cNvPr id="189" name="Google Shape;189;g27757a68b46_0_140:notes"/>
+          <p:cNvPr id="188" name="Google Shape;188;g27757a68b46_0_140:notes"/>
           <p:cNvSpPr/>
           <p:nvPr>
             <p:ph idx="2" type="sldImg"/>
@@ -1437,7 +1437,7 @@
       </p:sp>
       <p:sp>
         <p:nvSpPr>
-          <p:cNvPr id="190" name="Google Shape;190;g27757a68b46_0_140:notes"/>
+          <p:cNvPr id="189" name="Google Shape;189;g27757a68b46_0_140:notes"/>
           <p:cNvSpPr txBox="1"/>
           <p:nvPr>
             <p:ph idx="1" type="body"/>
@@ -1487,7 +1487,7 @@
   <p:cSld>
     <p:spTree>
       <p:nvGrpSpPr>
-        <p:cNvPr id="102" name="Shape 102"/>
+        <p:cNvPr id="101" name="Shape 101"/>
         <p:cNvGrpSpPr/>
         <p:nvPr/>
       </p:nvGrpSpPr>
@@ -1501,7 +1501,7 @@
       </p:grpSpPr>
       <p:sp>
         <p:nvSpPr>
-          <p:cNvPr id="103" name="Google Shape;103;p2:notes"/>
+          <p:cNvPr id="102" name="Google Shape;102;p2:notes"/>
           <p:cNvSpPr txBox="1"/>
           <p:nvPr>
             <p:ph idx="1" type="body"/>
@@ -1540,7 +1540,7 @@
       </p:sp>
       <p:sp>
         <p:nvSpPr>
-          <p:cNvPr id="104" name="Google Shape;104;p2:notes"/>
+          <p:cNvPr id="103" name="Google Shape;103;p2:notes"/>
           <p:cNvSpPr/>
           <p:nvPr>
             <p:ph idx="2" type="sldImg"/>
@@ -1586,7 +1586,7 @@
   <p:cSld>
     <p:spTree>
       <p:nvGrpSpPr>
-        <p:cNvPr id="108" name="Shape 108"/>
+        <p:cNvPr id="107" name="Shape 107"/>
         <p:cNvGrpSpPr/>
         <p:nvPr/>
       </p:nvGrpSpPr>
@@ -1600,7 +1600,7 @@
       </p:grpSpPr>
       <p:sp>
         <p:nvSpPr>
-          <p:cNvPr id="109" name="Google Shape;109;g27757a68b46_0_0:notes"/>
+          <p:cNvPr id="108" name="Google Shape;108;g27757a68b46_0_0:notes"/>
           <p:cNvSpPr/>
           <p:nvPr>
             <p:ph idx="2" type="sldImg"/>
@@ -1635,7 +1635,7 @@
       </p:sp>
       <p:sp>
         <p:nvSpPr>
-          <p:cNvPr id="110" name="Google Shape;110;g27757a68b46_0_0:notes"/>
+          <p:cNvPr id="109" name="Google Shape;109;g27757a68b46_0_0:notes"/>
           <p:cNvSpPr txBox="1"/>
           <p:nvPr>
             <p:ph idx="1" type="body"/>
@@ -1685,7 +1685,7 @@
   <p:cSld>
     <p:spTree>
       <p:nvGrpSpPr>
-        <p:cNvPr id="114" name="Shape 114"/>
+        <p:cNvPr id="113" name="Shape 113"/>
         <p:cNvGrpSpPr/>
         <p:nvPr/>
       </p:nvGrpSpPr>
@@ -1699,7 +1699,7 @@
       </p:grpSpPr>
       <p:sp>
         <p:nvSpPr>
-          <p:cNvPr id="115" name="Google Shape;115;p3:notes"/>
+          <p:cNvPr id="114" name="Google Shape;114;p3:notes"/>
           <p:cNvSpPr txBox="1"/>
           <p:nvPr>
             <p:ph idx="1" type="body"/>
@@ -1738,7 +1738,7 @@
       </p:sp>
       <p:sp>
         <p:nvSpPr>
-          <p:cNvPr id="116" name="Google Shape;116;p3:notes"/>
+          <p:cNvPr id="115" name="Google Shape;115;p3:notes"/>
           <p:cNvSpPr/>
           <p:nvPr>
             <p:ph idx="2" type="sldImg"/>
@@ -1784,7 +1784,7 @@
   <p:cSld>
     <p:spTree>
       <p:nvGrpSpPr>
-        <p:cNvPr id="120" name="Shape 120"/>
+        <p:cNvPr id="119" name="Shape 119"/>
         <p:cNvGrpSpPr/>
         <p:nvPr/>
       </p:nvGrpSpPr>
@@ -1798,7 +1798,7 @@
       </p:grpSpPr>
       <p:sp>
         <p:nvSpPr>
-          <p:cNvPr id="121" name="Google Shape;121;g27757a68b46_0_11:notes"/>
+          <p:cNvPr id="120" name="Google Shape;120;g27757a68b46_0_11:notes"/>
           <p:cNvSpPr/>
           <p:nvPr>
             <p:ph idx="2" type="sldImg"/>
@@ -1833,7 +1833,7 @@
       </p:sp>
       <p:sp>
         <p:nvSpPr>
-          <p:cNvPr id="122" name="Google Shape;122;g27757a68b46_0_11:notes"/>
+          <p:cNvPr id="121" name="Google Shape;121;g27757a68b46_0_11:notes"/>
           <p:cNvSpPr txBox="1"/>
           <p:nvPr>
             <p:ph idx="1" type="body"/>
@@ -1883,7 +1883,7 @@
   <p:cSld>
     <p:spTree>
       <p:nvGrpSpPr>
-        <p:cNvPr id="128" name="Shape 128"/>
+        <p:cNvPr id="127" name="Shape 127"/>
         <p:cNvGrpSpPr/>
         <p:nvPr/>
       </p:nvGrpSpPr>
@@ -1897,7 +1897,7 @@
       </p:grpSpPr>
       <p:sp>
         <p:nvSpPr>
-          <p:cNvPr id="129" name="Google Shape;129;g27757a68b46_0_21:notes"/>
+          <p:cNvPr id="128" name="Google Shape;128;g27757a68b46_0_21:notes"/>
           <p:cNvSpPr txBox="1"/>
           <p:nvPr>
             <p:ph idx="1" type="body"/>
@@ -1936,7 +1936,7 @@
       </p:sp>
       <p:sp>
         <p:nvSpPr>
-          <p:cNvPr id="130" name="Google Shape;130;g27757a68b46_0_21:notes"/>
+          <p:cNvPr id="129" name="Google Shape;129;g27757a68b46_0_21:notes"/>
           <p:cNvSpPr/>
           <p:nvPr>
             <p:ph idx="2" type="sldImg"/>
@@ -1982,7 +1982,7 @@
   <p:cSld>
     <p:spTree>
       <p:nvGrpSpPr>
-        <p:cNvPr id="134" name="Shape 134"/>
+        <p:cNvPr id="133" name="Shape 133"/>
         <p:cNvGrpSpPr/>
         <p:nvPr/>
       </p:nvGrpSpPr>
@@ -1996,7 +1996,7 @@
       </p:grpSpPr>
       <p:sp>
         <p:nvSpPr>
-          <p:cNvPr id="135" name="Google Shape;135;g27757a68b46_0_26:notes"/>
+          <p:cNvPr id="134" name="Google Shape;134;g27757a68b46_0_26:notes"/>
           <p:cNvSpPr txBox="1"/>
           <p:nvPr>
             <p:ph idx="1" type="body"/>
@@ -2035,7 +2035,7 @@
       </p:sp>
       <p:sp>
         <p:nvSpPr>
-          <p:cNvPr id="136" name="Google Shape;136;g27757a68b46_0_26:notes"/>
+          <p:cNvPr id="135" name="Google Shape;135;g27757a68b46_0_26:notes"/>
           <p:cNvSpPr/>
           <p:nvPr>
             <p:ph idx="2" type="sldImg"/>
@@ -2081,7 +2081,7 @@
   <p:cSld>
     <p:spTree>
       <p:nvGrpSpPr>
-        <p:cNvPr id="140" name="Shape 140"/>
+        <p:cNvPr id="139" name="Shape 139"/>
         <p:cNvGrpSpPr/>
         <p:nvPr/>
       </p:nvGrpSpPr>
@@ -2095,7 +2095,7 @@
       </p:grpSpPr>
       <p:sp>
         <p:nvSpPr>
-          <p:cNvPr id="141" name="Google Shape;141;g27757a68b46_0_31:notes"/>
+          <p:cNvPr id="140" name="Google Shape;140;g27757a68b46_0_31:notes"/>
           <p:cNvSpPr txBox="1"/>
           <p:nvPr>
             <p:ph idx="1" type="body"/>
@@ -2134,7 +2134,7 @@
       </p:sp>
       <p:sp>
         <p:nvSpPr>
-          <p:cNvPr id="142" name="Google Shape;142;g27757a68b46_0_31:notes"/>
+          <p:cNvPr id="141" name="Google Shape;141;g27757a68b46_0_31:notes"/>
           <p:cNvSpPr/>
           <p:nvPr>
             <p:ph idx="2" type="sldImg"/>
@@ -2180,7 +2180,7 @@
   <p:cSld>
     <p:spTree>
       <p:nvGrpSpPr>
-        <p:cNvPr id="146" name="Shape 146"/>
+        <p:cNvPr id="145" name="Shape 145"/>
         <p:cNvGrpSpPr/>
         <p:nvPr/>
       </p:nvGrpSpPr>
@@ -2194,7 +2194,7 @@
       </p:grpSpPr>
       <p:sp>
         <p:nvSpPr>
-          <p:cNvPr id="147" name="Google Shape;147;g27757a68b46_0_36:notes"/>
+          <p:cNvPr id="146" name="Google Shape;146;g27757a68b46_0_36:notes"/>
           <p:cNvSpPr txBox="1"/>
           <p:nvPr>
             <p:ph idx="1" type="body"/>
@@ -2233,7 +2233,7 @@
       </p:sp>
       <p:sp>
         <p:nvSpPr>
-          <p:cNvPr id="148" name="Google Shape;148;g27757a68b46_0_36:notes"/>
+          <p:cNvPr id="147" name="Google Shape;147;g27757a68b46_0_36:notes"/>
           <p:cNvSpPr/>
           <p:nvPr>
             <p:ph idx="2" type="sldImg"/>
@@ -15003,58 +15003,6 @@
       <p:sp>
         <p:nvSpPr>
           <p:cNvPr id="99" name="Google Shape;99;p1"/>
-          <p:cNvSpPr txBox="1"/>
-          <p:nvPr>
-            <p:ph type="title"/>
-          </p:nvPr>
-        </p:nvSpPr>
-        <p:spPr>
-          <a:xfrm>
-            <a:off x="457200" y="274680"/>
-            <a:ext cx="8229240" cy="1142640"/>
-          </a:xfrm>
-          <a:prstGeom prst="rect">
-            <a:avLst/>
-          </a:prstGeom>
-          <a:noFill/>
-          <a:ln>
-            <a:noFill/>
-          </a:ln>
-        </p:spPr>
-        <p:txBody>
-          <a:bodyPr anchorCtr="0" anchor="ctr" bIns="0" lIns="0" spcFirstLastPara="1" rIns="0" wrap="square" tIns="0">
-            <a:noAutofit/>
-          </a:bodyPr>
-          <a:lstStyle/>
-          <a:p>
-            <a:pPr indent="0" lvl="0" marL="0" rtl="0" algn="l">
-              <a:spcBef>
-                <a:spcPts val="0"/>
-              </a:spcBef>
-              <a:spcAft>
-                <a:spcPts val="0"/>
-              </a:spcAft>
-              <a:buSzPts val="3000"/>
-              <a:buNone/>
-            </a:pPr>
-            <a:r>
-              <a:t/>
-            </a:r>
-            <a:endParaRPr b="0" sz="3000" strike="noStrike">
-              <a:solidFill>
-                <a:srgbClr val="000000"/>
-              </a:solidFill>
-              <a:latin typeface="Calibri"/>
-              <a:ea typeface="Calibri"/>
-              <a:cs typeface="Calibri"/>
-              <a:sym typeface="Calibri"/>
-            </a:endParaRPr>
-          </a:p>
-        </p:txBody>
-      </p:sp>
-      <p:sp>
-        <p:nvSpPr>
-          <p:cNvPr id="100" name="Google Shape;100;p1"/>
           <p:cNvSpPr/>
           <p:nvPr/>
         </p:nvSpPr>
@@ -15137,7 +15085,7 @@
       </p:sp>
       <p:sp>
         <p:nvSpPr>
-          <p:cNvPr id="101" name="Google Shape;101;p1"/>
+          <p:cNvPr id="100" name="Google Shape;100;p1"/>
           <p:cNvSpPr txBox="1"/>
           <p:nvPr>
             <p:ph type="title"/>
@@ -15238,7 +15186,7 @@
               <a:t>                      </a:t>
             </a:r>
             <a:r>
-              <a:rPr b="0" lang="en-US" sz="3000" strike="noStrike">
+              <a:rPr b="0" lang="en-US" sz="2600" strike="noStrike">
                 <a:solidFill>
                   <a:srgbClr val="000000"/>
                 </a:solidFill>
@@ -15249,7 +15197,7 @@
               </a:rPr>
               <a:t>Introduction to CSS, CSS Grid</a:t>
             </a:r>
-            <a:endParaRPr b="0" sz="3000" strike="noStrike">
+            <a:endParaRPr b="0" sz="2600" strike="noStrike">
               <a:solidFill>
                 <a:srgbClr val="000000"/>
               </a:solidFill>
@@ -15278,15 +15226,15 @@
               <a:buNone/>
             </a:pPr>
             <a:r>
-              <a:rPr lang="en-US" sz="3000">
-                <a:latin typeface="Calibri"/>
-                <a:ea typeface="Calibri"/>
-                <a:cs typeface="Calibri"/>
-                <a:sym typeface="Calibri"/>
-              </a:rPr>
-              <a:t>                      Bootstrap CSS</a:t>
-            </a:r>
-            <a:endParaRPr sz="3000">
+              <a:rPr lang="en-US" sz="2600">
+                <a:latin typeface="Calibri"/>
+                <a:ea typeface="Calibri"/>
+                <a:cs typeface="Calibri"/>
+                <a:sym typeface="Calibri"/>
+              </a:rPr>
+              <a:t>                         Bootstrap CSS</a:t>
+            </a:r>
+            <a:endParaRPr sz="2600">
               <a:latin typeface="Calibri"/>
               <a:ea typeface="Calibri"/>
               <a:cs typeface="Calibri"/>
@@ -15312,7 +15260,7 @@
               <a:buNone/>
             </a:pPr>
             <a:r>
-              <a:rPr lang="en-US" sz="3000">
+              <a:rPr lang="en-US" sz="2600">
                 <a:latin typeface="Calibri"/>
                 <a:ea typeface="Calibri"/>
                 <a:cs typeface="Calibri"/>
@@ -15320,7 +15268,7 @@
               </a:rPr>
               <a:t>				 Responsive layouts</a:t>
             </a:r>
-            <a:endParaRPr sz="3000">
+            <a:endParaRPr sz="2600">
               <a:latin typeface="Calibri"/>
               <a:ea typeface="Calibri"/>
               <a:cs typeface="Calibri"/>
@@ -15342,7 +15290,7 @@
   <p:cSld>
     <p:spTree>
       <p:nvGrpSpPr>
-        <p:cNvPr id="155" name="Shape 155"/>
+        <p:cNvPr id="154" name="Shape 154"/>
         <p:cNvGrpSpPr/>
         <p:nvPr/>
       </p:nvGrpSpPr>
@@ -15356,7 +15304,7 @@
       </p:grpSpPr>
       <p:sp>
         <p:nvSpPr>
-          <p:cNvPr id="156" name="Google Shape;156;g27757a68b46_0_41"/>
+          <p:cNvPr id="155" name="Google Shape;155;g27757a68b46_0_41"/>
           <p:cNvSpPr txBox="1"/>
           <p:nvPr>
             <p:ph type="title"/>
@@ -15405,7 +15353,7 @@
       </p:sp>
       <p:sp>
         <p:nvSpPr>
-          <p:cNvPr id="157" name="Google Shape;157;g27757a68b46_0_41"/>
+          <p:cNvPr id="156" name="Google Shape;156;g27757a68b46_0_41"/>
           <p:cNvSpPr txBox="1"/>
           <p:nvPr/>
         </p:nvSpPr>
@@ -15591,7 +15539,7 @@
   <p:cSld>
     <p:spTree>
       <p:nvGrpSpPr>
-        <p:cNvPr id="161" name="Shape 161"/>
+        <p:cNvPr id="160" name="Shape 160"/>
         <p:cNvGrpSpPr/>
         <p:nvPr/>
       </p:nvGrpSpPr>
@@ -15605,7 +15553,7 @@
       </p:grpSpPr>
       <p:sp>
         <p:nvSpPr>
-          <p:cNvPr id="162" name="Google Shape;162;g27757a68b46_0_46"/>
+          <p:cNvPr id="161" name="Google Shape;161;g27757a68b46_0_46"/>
           <p:cNvSpPr txBox="1"/>
           <p:nvPr>
             <p:ph type="title"/>
@@ -15654,7 +15602,7 @@
       </p:sp>
       <p:sp>
         <p:nvSpPr>
-          <p:cNvPr id="163" name="Google Shape;163;g27757a68b46_0_46"/>
+          <p:cNvPr id="162" name="Google Shape;162;g27757a68b46_0_46"/>
           <p:cNvSpPr txBox="1"/>
           <p:nvPr/>
         </p:nvSpPr>
@@ -15950,7 +15898,7 @@
   <p:cSld>
     <p:spTree>
       <p:nvGrpSpPr>
-        <p:cNvPr id="167" name="Shape 167"/>
+        <p:cNvPr id="166" name="Shape 166"/>
         <p:cNvGrpSpPr/>
         <p:nvPr/>
       </p:nvGrpSpPr>
@@ -15964,7 +15912,7 @@
       </p:grpSpPr>
       <p:sp>
         <p:nvSpPr>
-          <p:cNvPr id="168" name="Google Shape;168;g27757a68b46_0_126"/>
+          <p:cNvPr id="167" name="Google Shape;167;g27757a68b46_0_126"/>
           <p:cNvSpPr txBox="1"/>
           <p:nvPr/>
         </p:nvSpPr>
@@ -16911,7 +16859,7 @@
       </p:sp>
       <p:sp>
         <p:nvSpPr>
-          <p:cNvPr id="169" name="Google Shape;169;g27757a68b46_0_126"/>
+          <p:cNvPr id="168" name="Google Shape;168;g27757a68b46_0_126"/>
           <p:cNvSpPr txBox="1"/>
           <p:nvPr/>
         </p:nvSpPr>
@@ -16964,7 +16912,7 @@
   <p:cSld>
     <p:spTree>
       <p:nvGrpSpPr>
-        <p:cNvPr id="173" name="Shape 173"/>
+        <p:cNvPr id="172" name="Shape 172"/>
         <p:cNvGrpSpPr/>
         <p:nvPr/>
       </p:nvGrpSpPr>
@@ -16978,7 +16926,7 @@
       </p:grpSpPr>
       <p:sp>
         <p:nvSpPr>
-          <p:cNvPr id="174" name="Google Shape;174;p4"/>
+          <p:cNvPr id="173" name="Google Shape;173;p4"/>
           <p:cNvSpPr txBox="1"/>
           <p:nvPr>
             <p:ph type="title"/>
@@ -17046,7 +16994,7 @@
       </p:sp>
       <p:sp>
         <p:nvSpPr>
-          <p:cNvPr id="175" name="Google Shape;175;p4"/>
+          <p:cNvPr id="174" name="Google Shape;174;p4"/>
           <p:cNvSpPr/>
           <p:nvPr/>
         </p:nvSpPr>
@@ -17356,7 +17304,7 @@
   <p:cSld>
     <p:spTree>
       <p:nvGrpSpPr>
-        <p:cNvPr id="179" name="Shape 179"/>
+        <p:cNvPr id="178" name="Shape 178"/>
         <p:cNvGrpSpPr/>
         <p:nvPr/>
       </p:nvGrpSpPr>
@@ -17370,7 +17318,7 @@
       </p:grpSpPr>
       <p:sp>
         <p:nvSpPr>
-          <p:cNvPr id="180" name="Google Shape;180;g27757a68b46_0_5"/>
+          <p:cNvPr id="179" name="Google Shape;179;g27757a68b46_0_5"/>
           <p:cNvSpPr txBox="1"/>
           <p:nvPr>
             <p:ph type="title"/>
@@ -17423,7 +17371,7 @@
       </p:sp>
       <p:sp>
         <p:nvSpPr>
-          <p:cNvPr id="181" name="Google Shape;181;g27757a68b46_0_5"/>
+          <p:cNvPr id="180" name="Google Shape;180;g27757a68b46_0_5"/>
           <p:cNvSpPr txBox="1"/>
           <p:nvPr/>
         </p:nvSpPr>
@@ -17814,7 +17762,7 @@
   <p:cSld>
     <p:spTree>
       <p:nvGrpSpPr>
-        <p:cNvPr id="185" name="Shape 185"/>
+        <p:cNvPr id="184" name="Shape 184"/>
         <p:cNvGrpSpPr/>
         <p:nvPr/>
       </p:nvGrpSpPr>
@@ -17828,7 +17776,7 @@
       </p:grpSpPr>
       <p:sp>
         <p:nvSpPr>
-          <p:cNvPr id="186" name="Google Shape;186;g27757a68b46_0_134"/>
+          <p:cNvPr id="185" name="Google Shape;185;g27757a68b46_0_134"/>
           <p:cNvSpPr txBox="1"/>
           <p:nvPr>
             <p:ph type="title"/>
@@ -17868,7 +17816,7 @@
       </p:sp>
       <p:sp>
         <p:nvSpPr>
-          <p:cNvPr id="187" name="Google Shape;187;g27757a68b46_0_134"/>
+          <p:cNvPr id="186" name="Google Shape;186;g27757a68b46_0_134"/>
           <p:cNvSpPr txBox="1"/>
           <p:nvPr/>
         </p:nvSpPr>
@@ -18696,7 +18644,7 @@
   <p:cSld>
     <p:spTree>
       <p:nvGrpSpPr>
-        <p:cNvPr id="191" name="Shape 191"/>
+        <p:cNvPr id="190" name="Shape 190"/>
         <p:cNvGrpSpPr/>
         <p:nvPr/>
       </p:nvGrpSpPr>
@@ -18710,7 +18658,7 @@
       </p:grpSpPr>
       <p:sp>
         <p:nvSpPr>
-          <p:cNvPr id="192" name="Google Shape;192;g27757a68b46_0_140"/>
+          <p:cNvPr id="191" name="Google Shape;191;g27757a68b46_0_140"/>
           <p:cNvSpPr txBox="1"/>
           <p:nvPr/>
         </p:nvSpPr>
@@ -19449,7 +19397,7 @@
   <p:cSld>
     <p:spTree>
       <p:nvGrpSpPr>
-        <p:cNvPr id="105" name="Shape 105"/>
+        <p:cNvPr id="104" name="Shape 104"/>
         <p:cNvGrpSpPr/>
         <p:nvPr/>
       </p:nvGrpSpPr>
@@ -19463,7 +19411,7 @@
       </p:grpSpPr>
       <p:sp>
         <p:nvSpPr>
-          <p:cNvPr id="106" name="Google Shape;106;p2"/>
+          <p:cNvPr id="105" name="Google Shape;105;p2"/>
           <p:cNvSpPr txBox="1"/>
           <p:nvPr>
             <p:ph type="title"/>
@@ -19531,7 +19479,7 @@
       </p:sp>
       <p:sp>
         <p:nvSpPr>
-          <p:cNvPr id="107" name="Google Shape;107;p2"/>
+          <p:cNvPr id="106" name="Google Shape;106;p2"/>
           <p:cNvSpPr/>
           <p:nvPr/>
         </p:nvSpPr>
@@ -19825,7 +19773,7 @@
   <p:cSld>
     <p:spTree>
       <p:nvGrpSpPr>
-        <p:cNvPr id="111" name="Shape 111"/>
+        <p:cNvPr id="110" name="Shape 110"/>
         <p:cNvGrpSpPr/>
         <p:nvPr/>
       </p:nvGrpSpPr>
@@ -19839,7 +19787,7 @@
       </p:grpSpPr>
       <p:sp>
         <p:nvSpPr>
-          <p:cNvPr id="112" name="Google Shape;112;g27757a68b46_0_0"/>
+          <p:cNvPr id="111" name="Google Shape;111;g27757a68b46_0_0"/>
           <p:cNvSpPr txBox="1"/>
           <p:nvPr>
             <p:ph type="title"/>
@@ -19879,7 +19827,7 @@
       </p:sp>
       <p:sp>
         <p:nvSpPr>
-          <p:cNvPr id="113" name="Google Shape;113;g27757a68b46_0_0"/>
+          <p:cNvPr id="112" name="Google Shape;112;g27757a68b46_0_0"/>
           <p:cNvSpPr txBox="1"/>
           <p:nvPr/>
         </p:nvSpPr>
@@ -20139,7 +20087,7 @@
   <p:cSld>
     <p:spTree>
       <p:nvGrpSpPr>
-        <p:cNvPr id="117" name="Shape 117"/>
+        <p:cNvPr id="116" name="Shape 116"/>
         <p:cNvGrpSpPr/>
         <p:nvPr/>
       </p:nvGrpSpPr>
@@ -20153,7 +20101,7 @@
       </p:grpSpPr>
       <p:sp>
         <p:nvSpPr>
-          <p:cNvPr id="118" name="Google Shape;118;p3"/>
+          <p:cNvPr id="117" name="Google Shape;117;p3"/>
           <p:cNvSpPr txBox="1"/>
           <p:nvPr>
             <p:ph type="title"/>
@@ -20221,7 +20169,7 @@
       </p:sp>
       <p:sp>
         <p:nvSpPr>
-          <p:cNvPr id="119" name="Google Shape;119;p3"/>
+          <p:cNvPr id="118" name="Google Shape;118;p3"/>
           <p:cNvSpPr/>
           <p:nvPr/>
         </p:nvSpPr>
@@ -20655,7 +20603,7 @@
   <p:cSld>
     <p:spTree>
       <p:nvGrpSpPr>
-        <p:cNvPr id="123" name="Shape 123"/>
+        <p:cNvPr id="122" name="Shape 122"/>
         <p:cNvGrpSpPr/>
         <p:nvPr/>
       </p:nvGrpSpPr>
@@ -20669,7 +20617,7 @@
       </p:grpSpPr>
       <p:sp>
         <p:nvSpPr>
-          <p:cNvPr id="124" name="Google Shape;124;g27757a68b46_0_11"/>
+          <p:cNvPr id="123" name="Google Shape;123;g27757a68b46_0_11"/>
           <p:cNvSpPr txBox="1"/>
           <p:nvPr>
             <p:ph type="title"/>
@@ -20709,7 +20657,7 @@
       </p:sp>
       <p:sp>
         <p:nvSpPr>
-          <p:cNvPr id="125" name="Google Shape;125;g27757a68b46_0_11"/>
+          <p:cNvPr id="124" name="Google Shape;124;g27757a68b46_0_11"/>
           <p:cNvSpPr txBox="1"/>
           <p:nvPr/>
         </p:nvSpPr>
@@ -22469,7 +22417,7 @@
       </p:sp>
       <p:sp>
         <p:nvSpPr>
-          <p:cNvPr id="126" name="Google Shape;126;g27757a68b46_0_11"/>
+          <p:cNvPr id="125" name="Google Shape;125;g27757a68b46_0_11"/>
           <p:cNvSpPr txBox="1"/>
           <p:nvPr/>
         </p:nvSpPr>
@@ -23296,7 +23244,7 @@
       </p:sp>
       <p:sp>
         <p:nvSpPr>
-          <p:cNvPr id="127" name="Google Shape;127;g27757a68b46_0_11"/>
+          <p:cNvPr id="126" name="Google Shape;126;g27757a68b46_0_11"/>
           <p:cNvSpPr txBox="1"/>
           <p:nvPr/>
         </p:nvSpPr>
@@ -23748,7 +23696,7 @@
   <p:cSld>
     <p:spTree>
       <p:nvGrpSpPr>
-        <p:cNvPr id="131" name="Shape 131"/>
+        <p:cNvPr id="130" name="Shape 130"/>
         <p:cNvGrpSpPr/>
         <p:nvPr/>
       </p:nvGrpSpPr>
@@ -23762,7 +23710,7 @@
       </p:grpSpPr>
       <p:sp>
         <p:nvSpPr>
-          <p:cNvPr id="132" name="Google Shape;132;g27757a68b46_0_21"/>
+          <p:cNvPr id="131" name="Google Shape;131;g27757a68b46_0_21"/>
           <p:cNvSpPr txBox="1"/>
           <p:nvPr>
             <p:ph type="title"/>
@@ -23811,7 +23759,7 @@
       </p:sp>
       <p:sp>
         <p:nvSpPr>
-          <p:cNvPr id="133" name="Google Shape;133;g27757a68b46_0_21"/>
+          <p:cNvPr id="132" name="Google Shape;132;g27757a68b46_0_21"/>
           <p:cNvSpPr txBox="1"/>
           <p:nvPr/>
         </p:nvSpPr>
@@ -23961,7 +23909,7 @@
   <p:cSld>
     <p:spTree>
       <p:nvGrpSpPr>
-        <p:cNvPr id="137" name="Shape 137"/>
+        <p:cNvPr id="136" name="Shape 136"/>
         <p:cNvGrpSpPr/>
         <p:nvPr/>
       </p:nvGrpSpPr>
@@ -23975,7 +23923,7 @@
       </p:grpSpPr>
       <p:sp>
         <p:nvSpPr>
-          <p:cNvPr id="138" name="Google Shape;138;g27757a68b46_0_26"/>
+          <p:cNvPr id="137" name="Google Shape;137;g27757a68b46_0_26"/>
           <p:cNvSpPr txBox="1"/>
           <p:nvPr>
             <p:ph type="title"/>
@@ -24024,7 +23972,7 @@
       </p:sp>
       <p:sp>
         <p:nvSpPr>
-          <p:cNvPr id="139" name="Google Shape;139;g27757a68b46_0_26"/>
+          <p:cNvPr id="138" name="Google Shape;138;g27757a68b46_0_26"/>
           <p:cNvSpPr txBox="1"/>
           <p:nvPr/>
         </p:nvSpPr>
@@ -24325,7 +24273,7 @@
   <p:cSld>
     <p:spTree>
       <p:nvGrpSpPr>
-        <p:cNvPr id="143" name="Shape 143"/>
+        <p:cNvPr id="142" name="Shape 142"/>
         <p:cNvGrpSpPr/>
         <p:nvPr/>
       </p:nvGrpSpPr>
@@ -24339,7 +24287,7 @@
       </p:grpSpPr>
       <p:sp>
         <p:nvSpPr>
-          <p:cNvPr id="144" name="Google Shape;144;g27757a68b46_0_31"/>
+          <p:cNvPr id="143" name="Google Shape;143;g27757a68b46_0_31"/>
           <p:cNvSpPr txBox="1"/>
           <p:nvPr>
             <p:ph type="title"/>
@@ -24388,7 +24336,7 @@
       </p:sp>
       <p:sp>
         <p:nvSpPr>
-          <p:cNvPr id="145" name="Google Shape;145;g27757a68b46_0_31"/>
+          <p:cNvPr id="144" name="Google Shape;144;g27757a68b46_0_31"/>
           <p:cNvSpPr txBox="1"/>
           <p:nvPr/>
         </p:nvSpPr>
@@ -24666,7 +24614,7 @@
   <p:cSld>
     <p:spTree>
       <p:nvGrpSpPr>
-        <p:cNvPr id="149" name="Shape 149"/>
+        <p:cNvPr id="148" name="Shape 148"/>
         <p:cNvGrpSpPr/>
         <p:nvPr/>
       </p:nvGrpSpPr>
@@ -24680,7 +24628,7 @@
       </p:grpSpPr>
       <p:sp>
         <p:nvSpPr>
-          <p:cNvPr id="150" name="Google Shape;150;g27757a68b46_0_36"/>
+          <p:cNvPr id="149" name="Google Shape;149;g27757a68b46_0_36"/>
           <p:cNvSpPr txBox="1"/>
           <p:nvPr>
             <p:ph type="title"/>
@@ -24729,7 +24677,7 @@
       </p:sp>
       <p:sp>
         <p:nvSpPr>
-          <p:cNvPr id="151" name="Google Shape;151;g27757a68b46_0_36"/>
+          <p:cNvPr id="150" name="Google Shape;150;g27757a68b46_0_36"/>
           <p:cNvSpPr txBox="1"/>
           <p:nvPr/>
         </p:nvSpPr>
@@ -25049,6 +24997,285 @@
 </file>
 
 <file path=ppt/theme/theme1.xml><?xml version="1.0" encoding="utf-8"?>
+<a:theme xmlns:a="http://schemas.openxmlformats.org/drawingml/2006/main" xmlns:r="http://schemas.openxmlformats.org/officeDocument/2006/relationships" name="Office Theme">
+  <a:themeElements>
+    <a:clrScheme name="Office">
+      <a:dk1>
+        <a:srgbClr val="000000"/>
+      </a:dk1>
+      <a:lt1>
+        <a:srgbClr val="FFFFFF"/>
+      </a:lt1>
+      <a:dk2>
+        <a:srgbClr val="1F497D"/>
+      </a:dk2>
+      <a:lt2>
+        <a:srgbClr val="EEECE1"/>
+      </a:lt2>
+      <a:accent1>
+        <a:srgbClr val="4F81BD"/>
+      </a:accent1>
+      <a:accent2>
+        <a:srgbClr val="C0504D"/>
+      </a:accent2>
+      <a:accent3>
+        <a:srgbClr val="9BBB59"/>
+      </a:accent3>
+      <a:accent4>
+        <a:srgbClr val="8064A2"/>
+      </a:accent4>
+      <a:accent5>
+        <a:srgbClr val="4BACC6"/>
+      </a:accent5>
+      <a:accent6>
+        <a:srgbClr val="F79646"/>
+      </a:accent6>
+      <a:hlink>
+        <a:srgbClr val="0000FF"/>
+      </a:hlink>
+      <a:folHlink>
+        <a:srgbClr val="800080"/>
+      </a:folHlink>
+    </a:clrScheme>
+    <a:fontScheme name="Office">
+      <a:majorFont>
+        <a:latin typeface="Arial"/>
+        <a:ea typeface=""/>
+        <a:cs typeface=""/>
+        <a:font script="Jpan" typeface="ＭＳ Ｐゴシック"/>
+        <a:font script="Hang" typeface="맑은 고딕"/>
+        <a:font script="Hans" typeface="宋体"/>
+        <a:font script="Hant" typeface="新細明體"/>
+        <a:font script="Arab" typeface="Times New Roman"/>
+        <a:font script="Hebr" typeface="Times New Roman"/>
+        <a:font script="Thai" typeface="Angsana New"/>
+        <a:font script="Ethi" typeface="Nyala"/>
+        <a:font script="Beng" typeface="Vrinda"/>
+        <a:font script="Gujr" typeface="Shruti"/>
+        <a:font script="Khmr" typeface="MoolBoran"/>
+        <a:font script="Knda" typeface="Tunga"/>
+        <a:font script="Guru" typeface="Raavi"/>
+        <a:font script="Cans" typeface="Euphemia"/>
+        <a:font script="Cher" typeface="Plantagenet Cherokee"/>
+        <a:font script="Yiii" typeface="Microsoft Yi Baiti"/>
+        <a:font script="Tibt" typeface="Microsoft Himalaya"/>
+        <a:font script="Thaa" typeface="MV Boli"/>
+        <a:font script="Deva" typeface="Mangal"/>
+        <a:font script="Telu" typeface="Gautami"/>
+        <a:font script="Taml" typeface="Latha"/>
+        <a:font script="Syrc" typeface="Estrangelo Edessa"/>
+        <a:font script="Orya" typeface="Kalinga"/>
+        <a:font script="Mlym" typeface="Kartika"/>
+        <a:font script="Laoo" typeface="DokChampa"/>
+        <a:font script="Sinh" typeface="Iskoola Pota"/>
+        <a:font script="Mong" typeface="Mongolian Baiti"/>
+        <a:font script="Viet" typeface="Times New Roman"/>
+        <a:font script="Uigh" typeface="Microsoft Uighur"/>
+        <a:font script="Geor" typeface="Sylfaen"/>
+      </a:majorFont>
+      <a:minorFont>
+        <a:latin typeface="Arial"/>
+        <a:ea typeface=""/>
+        <a:cs typeface=""/>
+        <a:font script="Jpan" typeface="ＭＳ Ｐゴシック"/>
+        <a:font script="Hang" typeface="맑은 고딕"/>
+        <a:font script="Hans" typeface="宋体"/>
+        <a:font script="Hant" typeface="新細明體"/>
+        <a:font script="Arab" typeface="Arial"/>
+        <a:font script="Hebr" typeface="Arial"/>
+        <a:font script="Thai" typeface="Cordia New"/>
+        <a:font script="Ethi" typeface="Nyala"/>
+        <a:font script="Beng" typeface="Vrinda"/>
+        <a:font script="Gujr" typeface="Shruti"/>
+        <a:font script="Khmr" typeface="DaunPenh"/>
+        <a:font script="Knda" typeface="Tunga"/>
+        <a:font script="Guru" typeface="Raavi"/>
+        <a:font script="Cans" typeface="Euphemia"/>
+        <a:font script="Cher" typeface="Plantagenet Cherokee"/>
+        <a:font script="Yiii" typeface="Microsoft Yi Baiti"/>
+        <a:font script="Tibt" typeface="Microsoft Himalaya"/>
+        <a:font script="Thaa" typeface="MV Boli"/>
+        <a:font script="Deva" typeface="Mangal"/>
+        <a:font script="Telu" typeface="Gautami"/>
+        <a:font script="Taml" typeface="Latha"/>
+        <a:font script="Syrc" typeface="Estrangelo Edessa"/>
+        <a:font script="Orya" typeface="Kalinga"/>
+        <a:font script="Mlym" typeface="Kartika"/>
+        <a:font script="Laoo" typeface="DokChampa"/>
+        <a:font script="Sinh" typeface="Iskoola Pota"/>
+        <a:font script="Mong" typeface="Mongolian Baiti"/>
+        <a:font script="Viet" typeface="Arial"/>
+        <a:font script="Uigh" typeface="Microsoft Uighur"/>
+        <a:font script="Geor" typeface="Sylfaen"/>
+      </a:minorFont>
+    </a:fontScheme>
+    <a:fmtScheme name="Office">
+      <a:fillStyleLst>
+        <a:solidFill>
+          <a:schemeClr val="phClr"/>
+        </a:solidFill>
+        <a:gradFill rotWithShape="1">
+          <a:gsLst>
+            <a:gs pos="0">
+              <a:schemeClr val="phClr">
+                <a:tint val="50000"/>
+                <a:satMod val="300000"/>
+              </a:schemeClr>
+            </a:gs>
+            <a:gs pos="35000">
+              <a:schemeClr val="phClr">
+                <a:tint val="37000"/>
+                <a:satMod val="300000"/>
+              </a:schemeClr>
+            </a:gs>
+            <a:gs pos="100000">
+              <a:schemeClr val="phClr">
+                <a:tint val="15000"/>
+                <a:satMod val="350000"/>
+              </a:schemeClr>
+            </a:gs>
+          </a:gsLst>
+          <a:lin ang="16200000" scaled="1"/>
+        </a:gradFill>
+        <a:gradFill rotWithShape="1">
+          <a:gsLst>
+            <a:gs pos="0">
+              <a:schemeClr val="phClr">
+                <a:tint val="100000"/>
+                <a:shade val="100000"/>
+                <a:satMod val="130000"/>
+              </a:schemeClr>
+            </a:gs>
+            <a:gs pos="100000">
+              <a:schemeClr val="phClr">
+                <a:tint val="50000"/>
+                <a:shade val="100000"/>
+                <a:satMod val="350000"/>
+              </a:schemeClr>
+            </a:gs>
+          </a:gsLst>
+          <a:lin ang="16200000" scaled="0"/>
+        </a:gradFill>
+      </a:fillStyleLst>
+      <a:lnStyleLst>
+        <a:ln w="9525" cap="flat" cmpd="sng" algn="ctr">
+          <a:solidFill>
+            <a:schemeClr val="phClr">
+              <a:shade val="95000"/>
+              <a:satMod val="105000"/>
+            </a:schemeClr>
+          </a:solidFill>
+          <a:prstDash val="solid"/>
+        </a:ln>
+        <a:ln w="25400" cap="flat" cmpd="sng" algn="ctr">
+          <a:solidFill>
+            <a:schemeClr val="phClr"/>
+          </a:solidFill>
+          <a:prstDash val="solid"/>
+        </a:ln>
+        <a:ln w="38100" cap="flat" cmpd="sng" algn="ctr">
+          <a:solidFill>
+            <a:schemeClr val="phClr"/>
+          </a:solidFill>
+          <a:prstDash val="solid"/>
+        </a:ln>
+      </a:lnStyleLst>
+      <a:effectStyleLst>
+        <a:effectStyle>
+          <a:effectLst>
+            <a:outerShdw blurRad="40000" dist="20000" dir="5400000" rotWithShape="0">
+              <a:srgbClr val="000000">
+                <a:alpha val="38000"/>
+              </a:srgbClr>
+            </a:outerShdw>
+          </a:effectLst>
+        </a:effectStyle>
+        <a:effectStyle>
+          <a:effectLst>
+            <a:outerShdw blurRad="40000" dist="23000" dir="5400000" rotWithShape="0">
+              <a:srgbClr val="000000">
+                <a:alpha val="35000"/>
+              </a:srgbClr>
+            </a:outerShdw>
+          </a:effectLst>
+        </a:effectStyle>
+        <a:effectStyle>
+          <a:effectLst>
+            <a:outerShdw blurRad="40000" dist="23000" dir="5400000" rotWithShape="0">
+              <a:srgbClr val="000000">
+                <a:alpha val="35000"/>
+              </a:srgbClr>
+            </a:outerShdw>
+          </a:effectLst>
+          <a:scene3d>
+            <a:camera prst="orthographicFront">
+              <a:rot lat="0" lon="0" rev="0"/>
+            </a:camera>
+            <a:lightRig rig="threePt" dir="t">
+              <a:rot lat="0" lon="0" rev="1200000"/>
+            </a:lightRig>
+          </a:scene3d>
+          <a:sp3d>
+            <a:bevelT w="63500" h="25400"/>
+          </a:sp3d>
+        </a:effectStyle>
+      </a:effectStyleLst>
+      <a:bgFillStyleLst>
+        <a:solidFill>
+          <a:schemeClr val="phClr"/>
+        </a:solidFill>
+        <a:gradFill rotWithShape="1">
+          <a:gsLst>
+            <a:gs pos="0">
+              <a:schemeClr val="phClr">
+                <a:tint val="40000"/>
+                <a:satMod val="350000"/>
+              </a:schemeClr>
+            </a:gs>
+            <a:gs pos="40000">
+              <a:schemeClr val="phClr">
+                <a:tint val="45000"/>
+                <a:shade val="99000"/>
+                <a:satMod val="350000"/>
+              </a:schemeClr>
+            </a:gs>
+            <a:gs pos="100000">
+              <a:schemeClr val="phClr">
+                <a:shade val="20000"/>
+                <a:satMod val="255000"/>
+              </a:schemeClr>
+            </a:gs>
+          </a:gsLst>
+          <a:path path="circle">
+            <a:fillToRect l="50000" t="-80000" r="50000" b="180000"/>
+          </a:path>
+        </a:gradFill>
+        <a:gradFill rotWithShape="1">
+          <a:gsLst>
+            <a:gs pos="0">
+              <a:schemeClr val="phClr">
+                <a:tint val="80000"/>
+                <a:satMod val="300000"/>
+              </a:schemeClr>
+            </a:gs>
+            <a:gs pos="100000">
+              <a:schemeClr val="phClr">
+                <a:shade val="30000"/>
+                <a:satMod val="200000"/>
+              </a:schemeClr>
+            </a:gs>
+          </a:gsLst>
+          <a:path path="circle">
+            <a:fillToRect l="50000" t="50000" r="50000" b="50000"/>
+          </a:path>
+        </a:gradFill>
+      </a:bgFillStyleLst>
+    </a:fmtScheme>
+  </a:themeElements>
+</a:theme>
+</file>
+
+<file path=ppt/theme/theme2.xml><?xml version="1.0" encoding="utf-8"?>
 <a:theme xmlns:a="http://schemas.openxmlformats.org/drawingml/2006/main" xmlns:r="http://schemas.openxmlformats.org/officeDocument/2006/relationships">
   <a:themeElements>
     <a:clrScheme name="Default">
@@ -25325,283 +25552,4 @@
     </a:fmtScheme>
   </a:themeElements>
 </a:theme>
-</file>
-
-<file path=ppt/theme/theme2.xml><?xml version="1.0" encoding="utf-8"?>
-<a:theme xmlns:a="http://schemas.openxmlformats.org/drawingml/2006/main" xmlns:r="http://schemas.openxmlformats.org/officeDocument/2006/relationships" name="Office Theme">
-  <a:themeElements>
-    <a:clrScheme name="Office">
-      <a:dk1>
-        <a:srgbClr val="000000"/>
-      </a:dk1>
-      <a:lt1>
-        <a:srgbClr val="FFFFFF"/>
-      </a:lt1>
-      <a:dk2>
-        <a:srgbClr val="1F497D"/>
-      </a:dk2>
-      <a:lt2>
-        <a:srgbClr val="EEECE1"/>
-      </a:lt2>
-      <a:accent1>
-        <a:srgbClr val="4F81BD"/>
-      </a:accent1>
-      <a:accent2>
-        <a:srgbClr val="C0504D"/>
-      </a:accent2>
-      <a:accent3>
-        <a:srgbClr val="9BBB59"/>
-      </a:accent3>
-      <a:accent4>
-        <a:srgbClr val="8064A2"/>
-      </a:accent4>
-      <a:accent5>
-        <a:srgbClr val="4BACC6"/>
-      </a:accent5>
-      <a:accent6>
-        <a:srgbClr val="F79646"/>
-      </a:accent6>
-      <a:hlink>
-        <a:srgbClr val="0000FF"/>
-      </a:hlink>
-      <a:folHlink>
-        <a:srgbClr val="800080"/>
-      </a:folHlink>
-    </a:clrScheme>
-    <a:fontScheme name="Office">
-      <a:majorFont>
-        <a:latin typeface="Arial"/>
-        <a:ea typeface=""/>
-        <a:cs typeface=""/>
-        <a:font script="Jpan" typeface="ＭＳ Ｐゴシック"/>
-        <a:font script="Hang" typeface="맑은 고딕"/>
-        <a:font script="Hans" typeface="宋体"/>
-        <a:font script="Hant" typeface="新細明體"/>
-        <a:font script="Arab" typeface="Times New Roman"/>
-        <a:font script="Hebr" typeface="Times New Roman"/>
-        <a:font script="Thai" typeface="Angsana New"/>
-        <a:font script="Ethi" typeface="Nyala"/>
-        <a:font script="Beng" typeface="Vrinda"/>
-        <a:font script="Gujr" typeface="Shruti"/>
-        <a:font script="Khmr" typeface="MoolBoran"/>
-        <a:font script="Knda" typeface="Tunga"/>
-        <a:font script="Guru" typeface="Raavi"/>
-        <a:font script="Cans" typeface="Euphemia"/>
-        <a:font script="Cher" typeface="Plantagenet Cherokee"/>
-        <a:font script="Yiii" typeface="Microsoft Yi Baiti"/>
-        <a:font script="Tibt" typeface="Microsoft Himalaya"/>
-        <a:font script="Thaa" typeface="MV Boli"/>
-        <a:font script="Deva" typeface="Mangal"/>
-        <a:font script="Telu" typeface="Gautami"/>
-        <a:font script="Taml" typeface="Latha"/>
-        <a:font script="Syrc" typeface="Estrangelo Edessa"/>
-        <a:font script="Orya" typeface="Kalinga"/>
-        <a:font script="Mlym" typeface="Kartika"/>
-        <a:font script="Laoo" typeface="DokChampa"/>
-        <a:font script="Sinh" typeface="Iskoola Pota"/>
-        <a:font script="Mong" typeface="Mongolian Baiti"/>
-        <a:font script="Viet" typeface="Times New Roman"/>
-        <a:font script="Uigh" typeface="Microsoft Uighur"/>
-        <a:font script="Geor" typeface="Sylfaen"/>
-      </a:majorFont>
-      <a:minorFont>
-        <a:latin typeface="Arial"/>
-        <a:ea typeface=""/>
-        <a:cs typeface=""/>
-        <a:font script="Jpan" typeface="ＭＳ Ｐゴシック"/>
-        <a:font script="Hang" typeface="맑은 고딕"/>
-        <a:font script="Hans" typeface="宋体"/>
-        <a:font script="Hant" typeface="新細明體"/>
-        <a:font script="Arab" typeface="Arial"/>
-        <a:font script="Hebr" typeface="Arial"/>
-        <a:font script="Thai" typeface="Cordia New"/>
-        <a:font script="Ethi" typeface="Nyala"/>
-        <a:font script="Beng" typeface="Vrinda"/>
-        <a:font script="Gujr" typeface="Shruti"/>
-        <a:font script="Khmr" typeface="DaunPenh"/>
-        <a:font script="Knda" typeface="Tunga"/>
-        <a:font script="Guru" typeface="Raavi"/>
-        <a:font script="Cans" typeface="Euphemia"/>
-        <a:font script="Cher" typeface="Plantagenet Cherokee"/>
-        <a:font script="Yiii" typeface="Microsoft Yi Baiti"/>
-        <a:font script="Tibt" typeface="Microsoft Himalaya"/>
-        <a:font script="Thaa" typeface="MV Boli"/>
-        <a:font script="Deva" typeface="Mangal"/>
-        <a:font script="Telu" typeface="Gautami"/>
-        <a:font script="Taml" typeface="Latha"/>
-        <a:font script="Syrc" typeface="Estrangelo Edessa"/>
-        <a:font script="Orya" typeface="Kalinga"/>
-        <a:font script="Mlym" typeface="Kartika"/>
-        <a:font script="Laoo" typeface="DokChampa"/>
-        <a:font script="Sinh" typeface="Iskoola Pota"/>
-        <a:font script="Mong" typeface="Mongolian Baiti"/>
-        <a:font script="Viet" typeface="Arial"/>
-        <a:font script="Uigh" typeface="Microsoft Uighur"/>
-        <a:font script="Geor" typeface="Sylfaen"/>
-      </a:minorFont>
-    </a:fontScheme>
-    <a:fmtScheme name="Office">
-      <a:fillStyleLst>
-        <a:solidFill>
-          <a:schemeClr val="phClr"/>
-        </a:solidFill>
-        <a:gradFill rotWithShape="1">
-          <a:gsLst>
-            <a:gs pos="0">
-              <a:schemeClr val="phClr">
-                <a:tint val="50000"/>
-                <a:satMod val="300000"/>
-              </a:schemeClr>
-            </a:gs>
-            <a:gs pos="35000">
-              <a:schemeClr val="phClr">
-                <a:tint val="37000"/>
-                <a:satMod val="300000"/>
-              </a:schemeClr>
-            </a:gs>
-            <a:gs pos="100000">
-              <a:schemeClr val="phClr">
-                <a:tint val="15000"/>
-                <a:satMod val="350000"/>
-              </a:schemeClr>
-            </a:gs>
-          </a:gsLst>
-          <a:lin ang="16200000" scaled="1"/>
-        </a:gradFill>
-        <a:gradFill rotWithShape="1">
-          <a:gsLst>
-            <a:gs pos="0">
-              <a:schemeClr val="phClr">
-                <a:tint val="100000"/>
-                <a:shade val="100000"/>
-                <a:satMod val="130000"/>
-              </a:schemeClr>
-            </a:gs>
-            <a:gs pos="100000">
-              <a:schemeClr val="phClr">
-                <a:tint val="50000"/>
-                <a:shade val="100000"/>
-                <a:satMod val="350000"/>
-              </a:schemeClr>
-            </a:gs>
-          </a:gsLst>
-          <a:lin ang="16200000" scaled="0"/>
-        </a:gradFill>
-      </a:fillStyleLst>
-      <a:lnStyleLst>
-        <a:ln w="9525" cap="flat" cmpd="sng" algn="ctr">
-          <a:solidFill>
-            <a:schemeClr val="phClr">
-              <a:shade val="95000"/>
-              <a:satMod val="105000"/>
-            </a:schemeClr>
-          </a:solidFill>
-          <a:prstDash val="solid"/>
-        </a:ln>
-        <a:ln w="25400" cap="flat" cmpd="sng" algn="ctr">
-          <a:solidFill>
-            <a:schemeClr val="phClr"/>
-          </a:solidFill>
-          <a:prstDash val="solid"/>
-        </a:ln>
-        <a:ln w="38100" cap="flat" cmpd="sng" algn="ctr">
-          <a:solidFill>
-            <a:schemeClr val="phClr"/>
-          </a:solidFill>
-          <a:prstDash val="solid"/>
-        </a:ln>
-      </a:lnStyleLst>
-      <a:effectStyleLst>
-        <a:effectStyle>
-          <a:effectLst>
-            <a:outerShdw blurRad="40000" dist="20000" dir="5400000" rotWithShape="0">
-              <a:srgbClr val="000000">
-                <a:alpha val="38000"/>
-              </a:srgbClr>
-            </a:outerShdw>
-          </a:effectLst>
-        </a:effectStyle>
-        <a:effectStyle>
-          <a:effectLst>
-            <a:outerShdw blurRad="40000" dist="23000" dir="5400000" rotWithShape="0">
-              <a:srgbClr val="000000">
-                <a:alpha val="35000"/>
-              </a:srgbClr>
-            </a:outerShdw>
-          </a:effectLst>
-        </a:effectStyle>
-        <a:effectStyle>
-          <a:effectLst>
-            <a:outerShdw blurRad="40000" dist="23000" dir="5400000" rotWithShape="0">
-              <a:srgbClr val="000000">
-                <a:alpha val="35000"/>
-              </a:srgbClr>
-            </a:outerShdw>
-          </a:effectLst>
-          <a:scene3d>
-            <a:camera prst="orthographicFront">
-              <a:rot lat="0" lon="0" rev="0"/>
-            </a:camera>
-            <a:lightRig rig="threePt" dir="t">
-              <a:rot lat="0" lon="0" rev="1200000"/>
-            </a:lightRig>
-          </a:scene3d>
-          <a:sp3d>
-            <a:bevelT w="63500" h="25400"/>
-          </a:sp3d>
-        </a:effectStyle>
-      </a:effectStyleLst>
-      <a:bgFillStyleLst>
-        <a:solidFill>
-          <a:schemeClr val="phClr"/>
-        </a:solidFill>
-        <a:gradFill rotWithShape="1">
-          <a:gsLst>
-            <a:gs pos="0">
-              <a:schemeClr val="phClr">
-                <a:tint val="40000"/>
-                <a:satMod val="350000"/>
-              </a:schemeClr>
-            </a:gs>
-            <a:gs pos="40000">
-              <a:schemeClr val="phClr">
-                <a:tint val="45000"/>
-                <a:shade val="99000"/>
-                <a:satMod val="350000"/>
-              </a:schemeClr>
-            </a:gs>
-            <a:gs pos="100000">
-              <a:schemeClr val="phClr">
-                <a:shade val="20000"/>
-                <a:satMod val="255000"/>
-              </a:schemeClr>
-            </a:gs>
-          </a:gsLst>
-          <a:path path="circle">
-            <a:fillToRect l="50000" t="-80000" r="50000" b="180000"/>
-          </a:path>
-        </a:gradFill>
-        <a:gradFill rotWithShape="1">
-          <a:gsLst>
-            <a:gs pos="0">
-              <a:schemeClr val="phClr">
-                <a:tint val="80000"/>
-                <a:satMod val="300000"/>
-              </a:schemeClr>
-            </a:gs>
-            <a:gs pos="100000">
-              <a:schemeClr val="phClr">
-                <a:shade val="30000"/>
-                <a:satMod val="200000"/>
-              </a:schemeClr>
-            </a:gs>
-          </a:gsLst>
-          <a:path path="circle">
-            <a:fillToRect l="50000" t="50000" r="50000" b="50000"/>
-          </a:path>
-        </a:gradFill>
-      </a:bgFillStyleLst>
-    </a:fmtScheme>
-  </a:themeElements>
-</a:theme>
 </file>